--- a/Aspire/DotnetAspire.pptx
+++ b/Aspire/DotnetAspire.pptx
@@ -9,13 +9,16 @@
     <p:sldId id="257" r:id="rId3"/>
     <p:sldId id="258" r:id="rId4"/>
     <p:sldId id="259" r:id="rId5"/>
-    <p:sldId id="260" r:id="rId6"/>
-    <p:sldId id="261" r:id="rId7"/>
-    <p:sldId id="262" r:id="rId8"/>
-    <p:sldId id="263" r:id="rId9"/>
-    <p:sldId id="264" r:id="rId10"/>
-    <p:sldId id="265" r:id="rId11"/>
-    <p:sldId id="266" r:id="rId12"/>
+    <p:sldId id="267" r:id="rId6"/>
+    <p:sldId id="269" r:id="rId7"/>
+    <p:sldId id="260" r:id="rId8"/>
+    <p:sldId id="261" r:id="rId9"/>
+    <p:sldId id="262" r:id="rId10"/>
+    <p:sldId id="263" r:id="rId11"/>
+    <p:sldId id="270" r:id="rId12"/>
+    <p:sldId id="264" r:id="rId13"/>
+    <p:sldId id="265" r:id="rId14"/>
+    <p:sldId id="266" r:id="rId15"/>
   </p:sldIdLst>
   <p:sldSz cx="12192000" cy="6858000"/>
   <p:notesSz cx="6858000" cy="9144000"/>
@@ -114,6 +117,11 @@
       </a:defRPr>
     </a:lvl9pPr>
   </p:defaultTextStyle>
+  <p:extLst>
+    <p:ext uri="{EFAFB233-063F-42B5-8137-9DF3F51BA10A}">
+      <p15:sldGuideLst xmlns:p15="http://schemas.microsoft.com/office/powerpoint/2012/main"/>
+    </p:ext>
+  </p:extLst>
 </p:presentation>
 </file>
 
@@ -3251,7 +3259,7 @@
           <a:p>
             <a:fld id="{9184DA70-C731-4C70-880D-CCD4705E623C}" type="datetime1">
               <a:rPr lang="en-US" smtClean="0"/>
-              <a:t>1/9/2024</a:t>
+              <a:t>1/15/2024</a:t>
             </a:fld>
             <a:endParaRPr lang="en-US" dirty="0"/>
           </a:p>
@@ -3439,7 +3447,7 @@
           <a:p>
             <a:fld id="{B612A279-0833-481D-8C56-F67FD0AC6C50}" type="datetime1">
               <a:rPr lang="en-US" smtClean="0"/>
-              <a:t>1/9/2024</a:t>
+              <a:t>1/15/2024</a:t>
             </a:fld>
             <a:endParaRPr lang="en-US" dirty="0"/>
           </a:p>
@@ -3681,7 +3689,7 @@
           <a:p>
             <a:fld id="{6587DA83-5663-4C9C-B9AA-0B40A3DAFF81}" type="datetime1">
               <a:rPr lang="en-US" smtClean="0"/>
-              <a:t>1/9/2024</a:t>
+              <a:t>1/15/2024</a:t>
             </a:fld>
             <a:endParaRPr lang="en-US" dirty="0"/>
           </a:p>
@@ -3869,7 +3877,7 @@
           <a:p>
             <a:fld id="{4BE1D723-8F53-4F53-90B0-1982A396982E}" type="datetime1">
               <a:rPr lang="en-US" smtClean="0"/>
-              <a:t>1/9/2024</a:t>
+              <a:t>1/15/2024</a:t>
             </a:fld>
             <a:endParaRPr lang="en-US" dirty="0"/>
           </a:p>
@@ -4242,7 +4250,7 @@
           <a:p>
             <a:fld id="{97669AF7-7BEB-44E4-9852-375E34362B5B}" type="datetime1">
               <a:rPr lang="en-US" smtClean="0"/>
-              <a:t>1/9/2024</a:t>
+              <a:t>1/15/2024</a:t>
             </a:fld>
             <a:endParaRPr lang="en-US" dirty="0"/>
           </a:p>
@@ -4497,7 +4505,7 @@
           <a:p>
             <a:fld id="{BAAAC38D-0552-4C82-B593-E6124DFADBE2}" type="datetime1">
               <a:rPr lang="en-US" smtClean="0"/>
-              <a:t>1/9/2024</a:t>
+              <a:t>1/15/2024</a:t>
             </a:fld>
             <a:endParaRPr lang="en-US" dirty="0"/>
           </a:p>
@@ -4894,7 +4902,7 @@
           <a:p>
             <a:fld id="{D9DF0F1C-5577-4ACB-BB62-DF8F3C494C7E}" type="datetime1">
               <a:rPr lang="en-US" smtClean="0"/>
-              <a:t>1/9/2024</a:t>
+              <a:t>1/15/2024</a:t>
             </a:fld>
             <a:endParaRPr lang="en-US" dirty="0"/>
           </a:p>
@@ -5030,7 +5038,7 @@
           <a:p>
             <a:fld id="{1775B394-D9F9-4F0C-B15D-605F45CB9E9F}" type="datetime1">
               <a:rPr lang="en-US" smtClean="0"/>
-              <a:t>1/9/2024</a:t>
+              <a:t>1/15/2024</a:t>
             </a:fld>
             <a:endParaRPr lang="en-US" dirty="0"/>
           </a:p>
@@ -5187,7 +5195,7 @@
           <a:p>
             <a:fld id="{39667345-2558-425A-8533-9BFDBCE15005}" type="datetime1">
               <a:rPr lang="en-US" smtClean="0"/>
-              <a:t>1/9/2024</a:t>
+              <a:t>1/15/2024</a:t>
             </a:fld>
             <a:endParaRPr lang="en-US" dirty="0"/>
           </a:p>
@@ -5516,7 +5524,7 @@
           <a:p>
             <a:fld id="{92BEA474-078D-4E9B-9B14-09A87B19DC46}" type="datetime1">
               <a:rPr lang="en-US" smtClean="0"/>
-              <a:t>1/9/2024</a:t>
+              <a:t>1/15/2024</a:t>
             </a:fld>
             <a:endParaRPr lang="en-US" dirty="0"/>
           </a:p>
@@ -5866,7 +5874,7 @@
           <a:p>
             <a:fld id="{4907D986-8816-4272-A432-0437A28A9828}" type="datetime1">
               <a:rPr lang="en-US" smtClean="0"/>
-              <a:t>1/9/2024</a:t>
+              <a:t>1/15/2024</a:t>
             </a:fld>
             <a:endParaRPr lang="en-US" dirty="0"/>
           </a:p>
@@ -6127,7 +6135,7 @@
           <a:p>
             <a:fld id="{62D6E202-B606-4609-B914-27C9371A1F6D}" type="datetime1">
               <a:rPr lang="en-US" smtClean="0"/>
-              <a:t>1/9/2024</a:t>
+              <a:t>1/15/2024</a:t>
             </a:fld>
             <a:endParaRPr lang="en-US" dirty="0"/>
           </a:p>
@@ -6955,6 +6963,278 @@
           <p:cNvPr id="2" name="Title 1">
             <a:extLst>
               <a:ext uri="{FF2B5EF4-FFF2-40B4-BE49-F238E27FC236}">
+                <a16:creationId xmlns:a16="http://schemas.microsoft.com/office/drawing/2014/main" id="{6BCDFBDE-F9FE-0C9A-B2E7-8D27ADC001C1}"/>
+              </a:ext>
+            </a:extLst>
+          </p:cNvPr>
+          <p:cNvSpPr>
+            <a:spLocks noGrp="1"/>
+          </p:cNvSpPr>
+          <p:nvPr>
+            <p:ph type="title"/>
+          </p:nvPr>
+        </p:nvSpPr>
+        <p:spPr/>
+        <p:txBody>
+          <a:bodyPr/>
+          <a:lstStyle/>
+          <a:p>
+            <a:r>
+              <a:rPr lang="en-US" dirty="0"/>
+              <a:t>Ensuring Observability</a:t>
+            </a:r>
+            <a:endParaRPr lang="ka-GE" dirty="0"/>
+          </a:p>
+        </p:txBody>
+      </p:sp>
+      <p:sp>
+        <p:nvSpPr>
+          <p:cNvPr id="3" name="Content Placeholder 2">
+            <a:extLst>
+              <a:ext uri="{FF2B5EF4-FFF2-40B4-BE49-F238E27FC236}">
+                <a16:creationId xmlns:a16="http://schemas.microsoft.com/office/drawing/2014/main" id="{67D41277-244E-A147-C820-0A8ABC403CA2}"/>
+              </a:ext>
+            </a:extLst>
+          </p:cNvPr>
+          <p:cNvSpPr>
+            <a:spLocks noGrp="1"/>
+          </p:cNvSpPr>
+          <p:nvPr>
+            <p:ph idx="1"/>
+          </p:nvPr>
+        </p:nvSpPr>
+        <p:spPr/>
+        <p:txBody>
+          <a:bodyPr/>
+          <a:lstStyle/>
+          <a:p>
+            <a:r>
+              <a:rPr lang="en-US" dirty="0"/>
+              <a:t>Focus on logs, metrics, and traces for full observability.</a:t>
+            </a:r>
+          </a:p>
+          <a:p>
+            <a:r>
+              <a:rPr lang="en-US" dirty="0"/>
+              <a:t>Utilization of Open Telemetry for data format and protocol.</a:t>
+            </a:r>
+            <a:endParaRPr lang="ka-GE" dirty="0"/>
+          </a:p>
+        </p:txBody>
+      </p:sp>
+    </p:spTree>
+    <p:extLst>
+      <p:ext uri="{BB962C8B-B14F-4D97-AF65-F5344CB8AC3E}">
+        <p14:creationId xmlns:p14="http://schemas.microsoft.com/office/powerpoint/2010/main" val="4124487421"/>
+      </p:ext>
+    </p:extLst>
+  </p:cSld>
+  <p:clrMapOvr>
+    <a:masterClrMapping/>
+  </p:clrMapOvr>
+</p:sld>
+</file>
+
+<file path=ppt/slides/slide11.xml><?xml version="1.0" encoding="utf-8"?>
+<p:sld xmlns:a="http://schemas.openxmlformats.org/drawingml/2006/main" xmlns:r="http://schemas.openxmlformats.org/officeDocument/2006/relationships" xmlns:p="http://schemas.openxmlformats.org/presentationml/2006/main">
+  <p:cSld>
+    <p:spTree>
+      <p:nvGrpSpPr>
+        <p:cNvPr id="1" name=""/>
+        <p:cNvGrpSpPr/>
+        <p:nvPr/>
+      </p:nvGrpSpPr>
+      <p:grpSpPr>
+        <a:xfrm>
+          <a:off x="0" y="0"/>
+          <a:ext cx="0" cy="0"/>
+          <a:chOff x="0" y="0"/>
+          <a:chExt cx="0" cy="0"/>
+        </a:xfrm>
+      </p:grpSpPr>
+      <p:sp>
+        <p:nvSpPr>
+          <p:cNvPr id="2" name="Title 1">
+            <a:extLst>
+              <a:ext uri="{FF2B5EF4-FFF2-40B4-BE49-F238E27FC236}">
+                <a16:creationId xmlns:a16="http://schemas.microsoft.com/office/drawing/2014/main" id="{B4711BC9-7129-986F-9F18-0C6374129561}"/>
+              </a:ext>
+            </a:extLst>
+          </p:cNvPr>
+          <p:cNvSpPr>
+            <a:spLocks noGrp="1"/>
+          </p:cNvSpPr>
+          <p:nvPr>
+            <p:ph type="title"/>
+          </p:nvPr>
+        </p:nvSpPr>
+        <p:spPr/>
+        <p:txBody>
+          <a:bodyPr/>
+          <a:lstStyle/>
+          <a:p>
+            <a:r>
+              <a:rPr lang="en-US" dirty="0"/>
+              <a:t>Service Discovery</a:t>
+            </a:r>
+            <a:endParaRPr lang="ka-GE" dirty="0"/>
+          </a:p>
+        </p:txBody>
+      </p:sp>
+      <p:sp>
+        <p:nvSpPr>
+          <p:cNvPr id="3" name="Content Placeholder 2">
+            <a:extLst>
+              <a:ext uri="{FF2B5EF4-FFF2-40B4-BE49-F238E27FC236}">
+                <a16:creationId xmlns:a16="http://schemas.microsoft.com/office/drawing/2014/main" id="{EA3E15BC-4BD9-9AD7-146D-1B3097EBDC91}"/>
+              </a:ext>
+            </a:extLst>
+          </p:cNvPr>
+          <p:cNvSpPr>
+            <a:spLocks noGrp="1"/>
+          </p:cNvSpPr>
+          <p:nvPr>
+            <p:ph idx="1"/>
+          </p:nvPr>
+        </p:nvSpPr>
+        <p:spPr/>
+        <p:txBody>
+          <a:bodyPr/>
+          <a:lstStyle/>
+          <a:p>
+            <a:endParaRPr lang="ka-GE"/>
+          </a:p>
+        </p:txBody>
+      </p:sp>
+    </p:spTree>
+    <p:extLst>
+      <p:ext uri="{BB962C8B-B14F-4D97-AF65-F5344CB8AC3E}">
+        <p14:creationId xmlns:p14="http://schemas.microsoft.com/office/powerpoint/2010/main" val="3625156515"/>
+      </p:ext>
+    </p:extLst>
+  </p:cSld>
+  <p:clrMapOvr>
+    <a:masterClrMapping/>
+  </p:clrMapOvr>
+</p:sld>
+</file>
+
+<file path=ppt/slides/slide12.xml><?xml version="1.0" encoding="utf-8"?>
+<p:sld xmlns:a="http://schemas.openxmlformats.org/drawingml/2006/main" xmlns:r="http://schemas.openxmlformats.org/officeDocument/2006/relationships" xmlns:p="http://schemas.openxmlformats.org/presentationml/2006/main">
+  <p:cSld>
+    <p:spTree>
+      <p:nvGrpSpPr>
+        <p:cNvPr id="1" name=""/>
+        <p:cNvGrpSpPr/>
+        <p:nvPr/>
+      </p:nvGrpSpPr>
+      <p:grpSpPr>
+        <a:xfrm>
+          <a:off x="0" y="0"/>
+          <a:ext cx="0" cy="0"/>
+          <a:chOff x="0" y="0"/>
+          <a:chExt cx="0" cy="0"/>
+        </a:xfrm>
+      </p:grpSpPr>
+      <p:sp>
+        <p:nvSpPr>
+          <p:cNvPr id="2" name="Title 1">
+            <a:extLst>
+              <a:ext uri="{FF2B5EF4-FFF2-40B4-BE49-F238E27FC236}">
+                <a16:creationId xmlns:a16="http://schemas.microsoft.com/office/drawing/2014/main" id="{82BAF5E6-CB41-FFA5-1F45-1136088AE008}"/>
+              </a:ext>
+            </a:extLst>
+          </p:cNvPr>
+          <p:cNvSpPr>
+            <a:spLocks noGrp="1"/>
+          </p:cNvSpPr>
+          <p:nvPr>
+            <p:ph type="title"/>
+          </p:nvPr>
+        </p:nvSpPr>
+        <p:spPr/>
+        <p:txBody>
+          <a:bodyPr/>
+          <a:lstStyle/>
+          <a:p>
+            <a:r>
+              <a:rPr lang="en-US" dirty="0"/>
+              <a:t>Deploying .NET Aspire Applications</a:t>
+            </a:r>
+            <a:endParaRPr lang="ka-GE" dirty="0"/>
+          </a:p>
+        </p:txBody>
+      </p:sp>
+      <p:sp>
+        <p:nvSpPr>
+          <p:cNvPr id="3" name="Content Placeholder 2">
+            <a:extLst>
+              <a:ext uri="{FF2B5EF4-FFF2-40B4-BE49-F238E27FC236}">
+                <a16:creationId xmlns:a16="http://schemas.microsoft.com/office/drawing/2014/main" id="{D1807022-DCC1-DCB3-0A39-7916413EAD09}"/>
+              </a:ext>
+            </a:extLst>
+          </p:cNvPr>
+          <p:cNvSpPr>
+            <a:spLocks noGrp="1"/>
+          </p:cNvSpPr>
+          <p:nvPr>
+            <p:ph idx="1"/>
+          </p:nvPr>
+        </p:nvSpPr>
+        <p:spPr/>
+        <p:txBody>
+          <a:bodyPr/>
+          <a:lstStyle/>
+          <a:p>
+            <a:r>
+              <a:rPr lang="en-US" dirty="0"/>
+              <a:t>Container-first mindset for application deployment.</a:t>
+            </a:r>
+          </a:p>
+          <a:p>
+            <a:r>
+              <a:rPr lang="en-US" dirty="0"/>
+              <a:t>Integration with Azure Container Apps and Azure Developer CLI.</a:t>
+            </a:r>
+            <a:endParaRPr lang="ka-GE" dirty="0"/>
+          </a:p>
+        </p:txBody>
+      </p:sp>
+    </p:spTree>
+    <p:extLst>
+      <p:ext uri="{BB962C8B-B14F-4D97-AF65-F5344CB8AC3E}">
+        <p14:creationId xmlns:p14="http://schemas.microsoft.com/office/powerpoint/2010/main" val="2786221400"/>
+      </p:ext>
+    </p:extLst>
+  </p:cSld>
+  <p:clrMapOvr>
+    <a:masterClrMapping/>
+  </p:clrMapOvr>
+</p:sld>
+</file>
+
+<file path=ppt/slides/slide13.xml><?xml version="1.0" encoding="utf-8"?>
+<p:sld xmlns:a="http://schemas.openxmlformats.org/drawingml/2006/main" xmlns:r="http://schemas.openxmlformats.org/officeDocument/2006/relationships" xmlns:p="http://schemas.openxmlformats.org/presentationml/2006/main">
+  <p:cSld>
+    <p:spTree>
+      <p:nvGrpSpPr>
+        <p:cNvPr id="1" name=""/>
+        <p:cNvGrpSpPr/>
+        <p:nvPr/>
+      </p:nvGrpSpPr>
+      <p:grpSpPr>
+        <a:xfrm>
+          <a:off x="0" y="0"/>
+          <a:ext cx="0" cy="0"/>
+          <a:chOff x="0" y="0"/>
+          <a:chExt cx="0" cy="0"/>
+        </a:xfrm>
+      </p:grpSpPr>
+      <p:sp>
+        <p:nvSpPr>
+          <p:cNvPr id="2" name="Title 1">
+            <a:extLst>
+              <a:ext uri="{FF2B5EF4-FFF2-40B4-BE49-F238E27FC236}">
                 <a16:creationId xmlns:a16="http://schemas.microsoft.com/office/drawing/2014/main" id="{ED955DF1-61FB-A8ED-C941-7FB9AA2AFAF1}"/>
               </a:ext>
             </a:extLst>
@@ -7026,7 +7306,7 @@
 </p:sld>
 </file>
 
-<file path=ppt/slides/slide11.xml><?xml version="1.0" encoding="utf-8"?>
+<file path=ppt/slides/slide14.xml><?xml version="1.0" encoding="utf-8"?>
 <p:sld xmlns:a="http://schemas.openxmlformats.org/drawingml/2006/main" xmlns:r="http://schemas.openxmlformats.org/officeDocument/2006/relationships" xmlns:p="http://schemas.openxmlformats.org/presentationml/2006/main">
   <p:cSld>
     <p:bg>
@@ -8230,7 +8510,7 @@
           <p:cNvPr id="2" name="Title 1">
             <a:extLst>
               <a:ext uri="{FF2B5EF4-FFF2-40B4-BE49-F238E27FC236}">
-                <a16:creationId xmlns:a16="http://schemas.microsoft.com/office/drawing/2014/main" id="{E0AAC925-396A-7336-3063-896E403CEDF8}"/>
+                <a16:creationId xmlns:a16="http://schemas.microsoft.com/office/drawing/2014/main" id="{29EB2255-0B77-326B-8C92-413F931B6C1B}"/>
               </a:ext>
             </a:extLst>
           </p:cNvPr>
@@ -8248,7 +8528,7 @@
           <a:p>
             <a:r>
               <a:rPr lang="en-US" dirty="0"/>
-              <a:t>Components of .NET Aspire</a:t>
+              <a:t>A tour of .NET Aspire</a:t>
             </a:r>
             <a:endParaRPr lang="ka-GE" dirty="0"/>
           </a:p>
@@ -8259,7 +8539,7 @@
           <p:cNvPr id="3" name="Content Placeholder 2">
             <a:extLst>
               <a:ext uri="{FF2B5EF4-FFF2-40B4-BE49-F238E27FC236}">
-                <a16:creationId xmlns:a16="http://schemas.microsoft.com/office/drawing/2014/main" id="{D0A516D8-331E-3260-4BDF-8605C9B2FD34}"/>
+                <a16:creationId xmlns:a16="http://schemas.microsoft.com/office/drawing/2014/main" id="{2F1356E6-6E0D-8EB2-0F88-972BF5B0409C}"/>
               </a:ext>
             </a:extLst>
           </p:cNvPr>
@@ -8275,23 +8555,55 @@
           <a:bodyPr/>
           <a:lstStyle/>
           <a:p>
+            <a:pPr marL="457200" indent="-457200">
+              <a:buFont typeface="+mj-lt"/>
+              <a:buAutoNum type="arabicPeriod"/>
+            </a:pPr>
             <a:r>
               <a:rPr lang="en-US" dirty="0"/>
-              <a:t>Introduction of specific NuGet packages like </a:t>
-            </a:r>
+              <a:t>Lets create Aspire Starter App</a:t>
+            </a:r>
+          </a:p>
+          <a:p>
+            <a:pPr marL="457200" indent="-457200">
+              <a:buFont typeface="+mj-lt"/>
+              <a:buAutoNum type="arabicPeriod"/>
+            </a:pPr>
             <a:r>
               <a:rPr lang="en-US" dirty="0" err="1"/>
-              <a:t>Aspire.StackExchange.Redis.OutputCaching</a:t>
-            </a:r>
+              <a:t>AppHost</a:t>
+            </a:r>
+            <a:endParaRPr lang="en-US" dirty="0"/>
+          </a:p>
+          <a:p>
+            <a:pPr marL="457200" indent="-457200">
+              <a:buFont typeface="+mj-lt"/>
+              <a:buAutoNum type="arabicPeriod"/>
+            </a:pPr>
+            <a:r>
+              <a:rPr lang="en-US" dirty="0" err="1"/>
+              <a:t>ServiceDefaults</a:t>
+            </a:r>
+            <a:endParaRPr lang="en-US" dirty="0"/>
+          </a:p>
+          <a:p>
+            <a:pPr marL="457200" indent="-457200">
+              <a:buFont typeface="+mj-lt"/>
+              <a:buAutoNum type="arabicPeriod"/>
+            </a:pPr>
             <a:r>
               <a:rPr lang="en-US" dirty="0"/>
-              <a:t>.</a:t>
-            </a:r>
-          </a:p>
-          <a:p>
+              <a:t>Dashboard</a:t>
+            </a:r>
+          </a:p>
+          <a:p>
+            <a:pPr marL="457200" indent="-457200">
+              <a:buFont typeface="+mj-lt"/>
+              <a:buAutoNum type="arabicPeriod"/>
+            </a:pPr>
             <a:r>
               <a:rPr lang="en-US" dirty="0"/>
-              <a:t>Components designed for cloud environment configuration.</a:t>
+              <a:t>Lil bit of code</a:t>
             </a:r>
             <a:endParaRPr lang="ka-GE" dirty="0"/>
           </a:p>
@@ -8300,7 +8612,7 @@
     </p:spTree>
     <p:extLst>
       <p:ext uri="{BB962C8B-B14F-4D97-AF65-F5344CB8AC3E}">
-        <p14:creationId xmlns:p14="http://schemas.microsoft.com/office/powerpoint/2010/main" val="701807670"/>
+        <p14:creationId xmlns:p14="http://schemas.microsoft.com/office/powerpoint/2010/main" val="1055736822"/>
       </p:ext>
     </p:extLst>
   </p:cSld>
@@ -8332,7 +8644,7 @@
           <p:cNvPr id="2" name="Title 1">
             <a:extLst>
               <a:ext uri="{FF2B5EF4-FFF2-40B4-BE49-F238E27FC236}">
-                <a16:creationId xmlns:a16="http://schemas.microsoft.com/office/drawing/2014/main" id="{2722CEC8-697A-189C-DFCC-AB8CA73079EE}"/>
+                <a16:creationId xmlns:a16="http://schemas.microsoft.com/office/drawing/2014/main" id="{36353E47-B5F8-81E6-D998-AAB57438FE86}"/>
               </a:ext>
             </a:extLst>
           </p:cNvPr>
@@ -8340,17 +8652,29 @@
             <a:spLocks noGrp="1"/>
           </p:cNvSpPr>
           <p:nvPr>
-            <p:ph type="title"/>
-          </p:nvPr>
-        </p:nvSpPr>
-        <p:spPr/>
-        <p:txBody>
-          <a:bodyPr/>
+            <p:ph type="ctrTitle"/>
+          </p:nvPr>
+        </p:nvSpPr>
+        <p:spPr>
+          <a:xfrm>
+            <a:off x="648929" y="639097"/>
+            <a:ext cx="6253317" cy="3686015"/>
+          </a:xfrm>
+        </p:spPr>
+        <p:txBody>
+          <a:bodyPr>
+            <a:normAutofit/>
+          </a:bodyPr>
           <a:lstStyle/>
           <a:p>
             <a:r>
-              <a:rPr lang="en-US" dirty="0"/>
-              <a:t>Application Model and Orchestration in .NET Aspire</a:t>
+              <a:rPr lang="en-US" dirty="0">
+                <a:effectLst/>
+                <a:latin typeface="Sylfaen" panose="010A0502050306030303" pitchFamily="18" charset="0"/>
+                <a:ea typeface="Sylfaen" panose="010A0502050306030303" pitchFamily="18" charset="0"/>
+                <a:cs typeface="Times New Roman" panose="02020603050405020304" pitchFamily="18" charset="0"/>
+              </a:rPr>
+              <a:t>Deep Dive</a:t>
             </a:r>
             <a:endParaRPr lang="ka-GE" dirty="0"/>
           </a:p>
@@ -8358,10 +8682,10 @@
       </p:sp>
       <p:sp>
         <p:nvSpPr>
-          <p:cNvPr id="3" name="Content Placeholder 2">
+          <p:cNvPr id="3" name="Subtitle 2">
             <a:extLst>
               <a:ext uri="{FF2B5EF4-FFF2-40B4-BE49-F238E27FC236}">
-                <a16:creationId xmlns:a16="http://schemas.microsoft.com/office/drawing/2014/main" id="{C1F8CE38-1703-7F44-B125-CD66EAB60B7A}"/>
+                <a16:creationId xmlns:a16="http://schemas.microsoft.com/office/drawing/2014/main" id="{D40C584B-BDAB-77F2-F0D4-C5BC8DBAF278}"/>
               </a:ext>
             </a:extLst>
           </p:cNvPr>
@@ -8369,43 +8693,70 @@
             <a:spLocks noGrp="1"/>
           </p:cNvSpPr>
           <p:nvPr>
-            <p:ph idx="1"/>
-          </p:nvPr>
-        </p:nvSpPr>
-        <p:spPr/>
-        <p:txBody>
-          <a:bodyPr/>
+            <p:ph type="subTitle" idx="1"/>
+          </p:nvPr>
+        </p:nvSpPr>
+        <p:spPr>
+          <a:xfrm>
+            <a:off x="632899" y="4672739"/>
+            <a:ext cx="6269347" cy="1021498"/>
+          </a:xfrm>
+        </p:spPr>
+        <p:txBody>
+          <a:bodyPr>
+            <a:normAutofit/>
+          </a:bodyPr>
           <a:lstStyle/>
           <a:p>
-            <a:r>
-              <a:rPr lang="en-US" dirty="0"/>
-              <a:t>Orchestration for streamlining app connections and configurations.</a:t>
-            </a:r>
-          </a:p>
-          <a:p>
-            <a:r>
-              <a:rPr lang="en-US" dirty="0"/>
-              <a:t>Service discovery replaces IP and port with logical names.</a:t>
-            </a:r>
-          </a:p>
-          <a:p>
-            <a:r>
-              <a:rPr lang="en-US" dirty="0"/>
-              <a:t>Supports .NET projects, containers, executables, and cloud resources.</a:t>
-            </a:r>
-          </a:p>
-          <a:p>
-            <a:pPr marL="0" indent="0">
-              <a:buNone/>
+            <a:pPr>
+              <a:lnSpc>
+                <a:spcPct val="100000"/>
+              </a:lnSpc>
             </a:pPr>
-            <a:endParaRPr lang="ka-GE" dirty="0"/>
-          </a:p>
-        </p:txBody>
-      </p:sp>
+            <a:endParaRPr lang="ka-GE" sz="1100" dirty="0">
+              <a:solidFill>
+                <a:schemeClr val="tx1">
+                  <a:lumMod val="85000"/>
+                  <a:lumOff val="15000"/>
+                </a:schemeClr>
+              </a:solidFill>
+            </a:endParaRPr>
+          </a:p>
+        </p:txBody>
+      </p:sp>
+      <p:pic>
+        <p:nvPicPr>
+          <p:cNvPr id="4" name="Picture 3" descr="A close-up of a network&#10;&#10;Description automatically generated">
+            <a:extLst>
+              <a:ext uri="{FF2B5EF4-FFF2-40B4-BE49-F238E27FC236}">
+                <a16:creationId xmlns:a16="http://schemas.microsoft.com/office/drawing/2014/main" id="{01FF7346-987E-4696-13EF-133D3A792776}"/>
+              </a:ext>
+            </a:extLst>
+          </p:cNvPr>
+          <p:cNvPicPr>
+            <a:picLocks noChangeAspect="1"/>
+          </p:cNvPicPr>
+          <p:nvPr/>
+        </p:nvPicPr>
+        <p:blipFill rotWithShape="1">
+          <a:blip r:embed="rId2"/>
+          <a:srcRect l="29674" r="16253" b="-1"/>
+          <a:stretch/>
+        </p:blipFill>
+        <p:spPr>
+          <a:xfrm>
+            <a:off x="7556686" y="1"/>
+            <a:ext cx="4635315" cy="6857999"/>
+          </a:xfrm>
+          <a:prstGeom prst="rect">
+            <a:avLst/>
+          </a:prstGeom>
+        </p:spPr>
+      </p:pic>
     </p:spTree>
     <p:extLst>
       <p:ext uri="{BB962C8B-B14F-4D97-AF65-F5344CB8AC3E}">
-        <p14:creationId xmlns:p14="http://schemas.microsoft.com/office/powerpoint/2010/main" val="4224398229"/>
+        <p14:creationId xmlns:p14="http://schemas.microsoft.com/office/powerpoint/2010/main" val="2790931656"/>
       </p:ext>
     </p:extLst>
   </p:cSld>
@@ -8437,7 +8788,7 @@
           <p:cNvPr id="2" name="Title 1">
             <a:extLst>
               <a:ext uri="{FF2B5EF4-FFF2-40B4-BE49-F238E27FC236}">
-                <a16:creationId xmlns:a16="http://schemas.microsoft.com/office/drawing/2014/main" id="{72F0406E-B7A5-A9E3-905A-276FF9A73C0F}"/>
+                <a16:creationId xmlns:a16="http://schemas.microsoft.com/office/drawing/2014/main" id="{E0AAC925-396A-7336-3063-896E403CEDF8}"/>
               </a:ext>
             </a:extLst>
           </p:cNvPr>
@@ -8454,43 +8805,82 @@
           <a:lstStyle/>
           <a:p>
             <a:r>
-              <a:rPr lang="en-US"/>
-              <a:t>Developer Dashboard for Enhanced Monitoring</a:t>
+              <a:rPr lang="en-US" dirty="0"/>
+              <a:t>Components of .NET Aspire</a:t>
             </a:r>
             <a:endParaRPr lang="ka-GE" dirty="0"/>
           </a:p>
         </p:txBody>
       </p:sp>
-      <p:graphicFrame>
-        <p:nvGraphicFramePr>
-          <p:cNvPr id="13" name="Content Placeholder 2">
+      <p:sp>
+        <p:nvSpPr>
+          <p:cNvPr id="3" name="Content Placeholder 2">
             <a:extLst>
               <a:ext uri="{FF2B5EF4-FFF2-40B4-BE49-F238E27FC236}">
-                <a16:creationId xmlns:a16="http://schemas.microsoft.com/office/drawing/2014/main" id="{109F9EE8-26B3-136D-1172-528AD54BD2C4}"/>
+                <a16:creationId xmlns:a16="http://schemas.microsoft.com/office/drawing/2014/main" id="{D0A516D8-331E-3260-4BDF-8605C9B2FD34}"/>
               </a:ext>
             </a:extLst>
           </p:cNvPr>
-          <p:cNvGraphicFramePr>
-            <a:graphicFrameLocks noGrp="1"/>
-          </p:cNvGraphicFramePr>
+          <p:cNvSpPr>
+            <a:spLocks noGrp="1"/>
+          </p:cNvSpPr>
           <p:nvPr>
             <p:ph idx="1"/>
           </p:nvPr>
-        </p:nvGraphicFramePr>
-        <p:xfrm>
-          <a:off x="1097280" y="2108201"/>
-          <a:ext cx="10058400" cy="3760891"/>
-        </p:xfrm>
-        <a:graphic>
-          <a:graphicData uri="http://schemas.openxmlformats.org/drawingml/2006/diagram">
-            <dgm:relIds xmlns:dgm="http://schemas.openxmlformats.org/drawingml/2006/diagram" xmlns:r="http://schemas.openxmlformats.org/officeDocument/2006/relationships" r:dm="rId2" r:lo="rId3" r:qs="rId4" r:cs="rId5"/>
-          </a:graphicData>
-        </a:graphic>
-      </p:graphicFrame>
+        </p:nvSpPr>
+        <p:spPr/>
+        <p:txBody>
+          <a:bodyPr/>
+          <a:lstStyle/>
+          <a:p>
+            <a:r>
+              <a:rPr lang="en-US" dirty="0"/>
+              <a:t>Introduction of specific NuGet packages like </a:t>
+            </a:r>
+            <a:r>
+              <a:rPr lang="en-US" dirty="0" err="1"/>
+              <a:t>Aspire.StackExchange.Redis.OutputCaching</a:t>
+            </a:r>
+            <a:r>
+              <a:rPr lang="en-US" dirty="0"/>
+              <a:t>.</a:t>
+            </a:r>
+          </a:p>
+          <a:p>
+            <a:r>
+              <a:rPr lang="en-US" dirty="0"/>
+              <a:t>Components designed for cloud environment configuration.</a:t>
+            </a:r>
+          </a:p>
+          <a:p>
+            <a:r>
+              <a:rPr lang="en-US" dirty="0"/>
+              <a:t>Aspire component VS Manually setting up same infrastructure</a:t>
+            </a:r>
+          </a:p>
+          <a:p>
+            <a:r>
+              <a:rPr lang="en-US" dirty="0"/>
+              <a:t>What </a:t>
+            </a:r>
+            <a:r>
+              <a:rPr lang="en-US" dirty="0" err="1"/>
+              <a:t>criterias</a:t>
+            </a:r>
+            <a:r>
+              <a:rPr lang="en-US" dirty="0"/>
+              <a:t> Aspire component should satisfy?</a:t>
+            </a:r>
+          </a:p>
+          <a:p>
+            <a:endParaRPr lang="ka-GE" dirty="0"/>
+          </a:p>
+        </p:txBody>
+      </p:sp>
     </p:spTree>
     <p:extLst>
       <p:ext uri="{BB962C8B-B14F-4D97-AF65-F5344CB8AC3E}">
-        <p14:creationId xmlns:p14="http://schemas.microsoft.com/office/powerpoint/2010/main" val="211258371"/>
+        <p14:creationId xmlns:p14="http://schemas.microsoft.com/office/powerpoint/2010/main" val="701807670"/>
       </p:ext>
     </p:extLst>
   </p:cSld>
@@ -8522,7 +8912,7 @@
           <p:cNvPr id="2" name="Title 1">
             <a:extLst>
               <a:ext uri="{FF2B5EF4-FFF2-40B4-BE49-F238E27FC236}">
-                <a16:creationId xmlns:a16="http://schemas.microsoft.com/office/drawing/2014/main" id="{6BCDFBDE-F9FE-0C9A-B2E7-8D27ADC001C1}"/>
+                <a16:creationId xmlns:a16="http://schemas.microsoft.com/office/drawing/2014/main" id="{2722CEC8-697A-189C-DFCC-AB8CA73079EE}"/>
               </a:ext>
             </a:extLst>
           </p:cNvPr>
@@ -8540,7 +8930,7 @@
           <a:p>
             <a:r>
               <a:rPr lang="en-US" dirty="0"/>
-              <a:t>Ensuring Observability</a:t>
+              <a:t>Application Model and Orchestration in .NET Aspire</a:t>
             </a:r>
             <a:endParaRPr lang="ka-GE" dirty="0"/>
           </a:p>
@@ -8551,7 +8941,7 @@
           <p:cNvPr id="3" name="Content Placeholder 2">
             <a:extLst>
               <a:ext uri="{FF2B5EF4-FFF2-40B4-BE49-F238E27FC236}">
-                <a16:creationId xmlns:a16="http://schemas.microsoft.com/office/drawing/2014/main" id="{67D41277-244E-A147-C820-0A8ABC403CA2}"/>
+                <a16:creationId xmlns:a16="http://schemas.microsoft.com/office/drawing/2014/main" id="{C1F8CE38-1703-7F44-B125-CD66EAB60B7A}"/>
               </a:ext>
             </a:extLst>
           </p:cNvPr>
@@ -8569,14 +8959,25 @@
           <a:p>
             <a:r>
               <a:rPr lang="en-US" dirty="0"/>
-              <a:t>Focus on logs, metrics, and traces for full observability.</a:t>
+              <a:t>Orchestration for streamlining app connections and configurations.</a:t>
             </a:r>
           </a:p>
           <a:p>
             <a:r>
               <a:rPr lang="en-US" dirty="0"/>
-              <a:t>Utilization of Open Telemetry for data format and protocol.</a:t>
-            </a:r>
+              <a:t>Service discovery replaces IP and port with logical names.</a:t>
+            </a:r>
+          </a:p>
+          <a:p>
+            <a:r>
+              <a:rPr lang="en-US" dirty="0"/>
+              <a:t>Supports .NET projects, containers, executables, and cloud resources.</a:t>
+            </a:r>
+          </a:p>
+          <a:p>
+            <a:pPr marL="0" indent="0">
+              <a:buNone/>
+            </a:pPr>
             <a:endParaRPr lang="ka-GE" dirty="0"/>
           </a:p>
         </p:txBody>
@@ -8584,7 +8985,7 @@
     </p:spTree>
     <p:extLst>
       <p:ext uri="{BB962C8B-B14F-4D97-AF65-F5344CB8AC3E}">
-        <p14:creationId xmlns:p14="http://schemas.microsoft.com/office/powerpoint/2010/main" val="4124487421"/>
+        <p14:creationId xmlns:p14="http://schemas.microsoft.com/office/powerpoint/2010/main" val="4224398229"/>
       </p:ext>
     </p:extLst>
   </p:cSld>
@@ -8616,7 +9017,7 @@
           <p:cNvPr id="2" name="Title 1">
             <a:extLst>
               <a:ext uri="{FF2B5EF4-FFF2-40B4-BE49-F238E27FC236}">
-                <a16:creationId xmlns:a16="http://schemas.microsoft.com/office/drawing/2014/main" id="{82BAF5E6-CB41-FFA5-1F45-1136088AE008}"/>
+                <a16:creationId xmlns:a16="http://schemas.microsoft.com/office/drawing/2014/main" id="{72F0406E-B7A5-A9E3-905A-276FF9A73C0F}"/>
               </a:ext>
             </a:extLst>
           </p:cNvPr>
@@ -8633,52 +9034,43 @@
           <a:lstStyle/>
           <a:p>
             <a:r>
-              <a:rPr lang="en-US" dirty="0"/>
-              <a:t>Deploying .NET Aspire Applications</a:t>
+              <a:rPr lang="en-US"/>
+              <a:t>Developer Dashboard for Enhanced Monitoring</a:t>
             </a:r>
             <a:endParaRPr lang="ka-GE" dirty="0"/>
           </a:p>
         </p:txBody>
       </p:sp>
-      <p:sp>
-        <p:nvSpPr>
-          <p:cNvPr id="3" name="Content Placeholder 2">
+      <p:graphicFrame>
+        <p:nvGraphicFramePr>
+          <p:cNvPr id="13" name="Content Placeholder 2">
             <a:extLst>
               <a:ext uri="{FF2B5EF4-FFF2-40B4-BE49-F238E27FC236}">
-                <a16:creationId xmlns:a16="http://schemas.microsoft.com/office/drawing/2014/main" id="{D1807022-DCC1-DCB3-0A39-7916413EAD09}"/>
+                <a16:creationId xmlns:a16="http://schemas.microsoft.com/office/drawing/2014/main" id="{109F9EE8-26B3-136D-1172-528AD54BD2C4}"/>
               </a:ext>
             </a:extLst>
           </p:cNvPr>
-          <p:cNvSpPr>
-            <a:spLocks noGrp="1"/>
-          </p:cNvSpPr>
+          <p:cNvGraphicFramePr>
+            <a:graphicFrameLocks noGrp="1"/>
+          </p:cNvGraphicFramePr>
           <p:nvPr>
             <p:ph idx="1"/>
           </p:nvPr>
-        </p:nvSpPr>
-        <p:spPr/>
-        <p:txBody>
-          <a:bodyPr/>
-          <a:lstStyle/>
-          <a:p>
-            <a:r>
-              <a:rPr lang="en-US" dirty="0"/>
-              <a:t>Container-first mindset for application deployment.</a:t>
-            </a:r>
-          </a:p>
-          <a:p>
-            <a:r>
-              <a:rPr lang="en-US" dirty="0"/>
-              <a:t>Integration with Azure Container Apps and Azure Developer CLI.</a:t>
-            </a:r>
-            <a:endParaRPr lang="ka-GE" dirty="0"/>
-          </a:p>
-        </p:txBody>
-      </p:sp>
+        </p:nvGraphicFramePr>
+        <p:xfrm>
+          <a:off x="1097280" y="2108201"/>
+          <a:ext cx="10058400" cy="3760891"/>
+        </p:xfrm>
+        <a:graphic>
+          <a:graphicData uri="http://schemas.openxmlformats.org/drawingml/2006/diagram">
+            <dgm:relIds xmlns:dgm="http://schemas.openxmlformats.org/drawingml/2006/diagram" xmlns:r="http://schemas.openxmlformats.org/officeDocument/2006/relationships" r:dm="rId2" r:lo="rId3" r:qs="rId4" r:cs="rId5"/>
+          </a:graphicData>
+        </a:graphic>
+      </p:graphicFrame>
     </p:spTree>
     <p:extLst>
       <p:ext uri="{BB962C8B-B14F-4D97-AF65-F5344CB8AC3E}">
-        <p14:creationId xmlns:p14="http://schemas.microsoft.com/office/powerpoint/2010/main" val="2786221400"/>
+        <p14:creationId xmlns:p14="http://schemas.microsoft.com/office/powerpoint/2010/main" val="211258371"/>
       </p:ext>
     </p:extLst>
   </p:cSld>
